--- a/website/assets/logo.pptx
+++ b/website/assets/logo.pptx
@@ -6,7 +6,6 @@
   </p:sldMasterIdLst>
   <p:sldIdLst>
     <p:sldId id="257" r:id="rId2"/>
-    <p:sldId id="258" r:id="rId3"/>
   </p:sldIdLst>
   <p:sldSz cx="12801600" cy="6400800"/>
   <p:notesSz cx="6858000" cy="9144000"/>
@@ -125,48 +124,12 @@
 </p:cmAuthorLst>
 </file>
 
-<file path=ppt/changesInfos/changesInfo1.xml><?xml version="1.0" encoding="utf-8"?>
-<pc:chgInfo xmlns:a="http://schemas.openxmlformats.org/drawingml/2006/main" xmlns:r="http://schemas.openxmlformats.org/officeDocument/2006/relationships" xmlns:ac="http://schemas.microsoft.com/office/drawing/2013/main/command" xmlns:pc="http://schemas.microsoft.com/office/powerpoint/2013/main/command">
-  <pc:docChgLst>
-    <pc:chgData name="Nam Jeongho" userId="87ea6dd6c01881c1" providerId="LiveId" clId="{BFE06856-6179-4A3A-B9D4-F3497F4E1E10}"/>
-    <pc:docChg chg="modSld">
-      <pc:chgData name="Nam Jeongho" userId="87ea6dd6c01881c1" providerId="LiveId" clId="{BFE06856-6179-4A3A-B9D4-F3497F4E1E10}" dt="2023-04-22T12:15:55.917" v="9" actId="207"/>
-      <pc:docMkLst>
-        <pc:docMk/>
-      </pc:docMkLst>
-      <pc:sldChg chg="modSp mod">
-        <pc:chgData name="Nam Jeongho" userId="87ea6dd6c01881c1" providerId="LiveId" clId="{BFE06856-6179-4A3A-B9D4-F3497F4E1E10}" dt="2023-04-22T12:15:31.574" v="5" actId="207"/>
-        <pc:sldMkLst>
-          <pc:docMk/>
-          <pc:sldMk cId="1973001959" sldId="257"/>
-        </pc:sldMkLst>
-        <pc:spChg chg="mod">
-          <ac:chgData name="Nam Jeongho" userId="87ea6dd6c01881c1" providerId="LiveId" clId="{BFE06856-6179-4A3A-B9D4-F3497F4E1E10}" dt="2023-04-22T12:15:31.574" v="5" actId="207"/>
-          <ac:spMkLst>
-            <pc:docMk/>
-            <pc:sldMk cId="1973001959" sldId="257"/>
-            <ac:spMk id="9" creationId="{2AD7900D-1FF9-8430-9D85-A13052732FE4}"/>
-          </ac:spMkLst>
-        </pc:spChg>
-      </pc:sldChg>
-      <pc:sldChg chg="modSp mod">
-        <pc:chgData name="Nam Jeongho" userId="87ea6dd6c01881c1" providerId="LiveId" clId="{BFE06856-6179-4A3A-B9D4-F3497F4E1E10}" dt="2023-04-22T12:15:55.917" v="9" actId="207"/>
-        <pc:sldMkLst>
-          <pc:docMk/>
-          <pc:sldMk cId="2087580690" sldId="258"/>
-        </pc:sldMkLst>
-        <pc:spChg chg="mod">
-          <ac:chgData name="Nam Jeongho" userId="87ea6dd6c01881c1" providerId="LiveId" clId="{BFE06856-6179-4A3A-B9D4-F3497F4E1E10}" dt="2023-04-22T12:15:55.917" v="9" actId="207"/>
-          <ac:spMkLst>
-            <pc:docMk/>
-            <pc:sldMk cId="2087580690" sldId="258"/>
-            <ac:spMk id="5" creationId="{9CF1FF0A-1116-FED1-D87A-49BE33FAAE3B}"/>
-          </ac:spMkLst>
-        </pc:spChg>
-      </pc:sldChg>
-    </pc:docChg>
-  </pc:docChgLst>
-</pc:chgInfo>
+<file path=ppt/revisionInfo.xml><?xml version="1.0" encoding="utf-8"?>
+<p1510:revInfo xmlns:a="http://schemas.openxmlformats.org/drawingml/2006/main" xmlns:r="http://schemas.openxmlformats.org/officeDocument/2006/relationships" xmlns:p1510="http://schemas.microsoft.com/office/powerpoint/2015/10/main">
+  <p1510:revLst>
+    <p1510:client id="{BA0D8CBE-D3FB-4FB2-8754-90DE7E9727B0}" v="158" dt="2023-04-25T18:23:23.055"/>
+  </p1510:revLst>
+</p1510:revInfo>
 </file>
 
 <file path=ppt/slideLayouts/slideLayout1.xml><?xml version="1.0" encoding="utf-8"?>
@@ -300,7 +263,7 @@
           <a:p>
             <a:fld id="{D8BBD3AF-D691-46CA-B373-3F6605AA7918}" type="datetimeFigureOut">
               <a:rPr lang="en-US" smtClean="0"/>
-              <a:t>4/22/2023</a:t>
+              <a:t>4/28/2023</a:t>
             </a:fld>
             <a:endParaRPr lang="en-US"/>
           </a:p>
@@ -470,7 +433,7 @@
           <a:p>
             <a:fld id="{D8BBD3AF-D691-46CA-B373-3F6605AA7918}" type="datetimeFigureOut">
               <a:rPr lang="en-US" smtClean="0"/>
-              <a:t>4/22/2023</a:t>
+              <a:t>4/28/2023</a:t>
             </a:fld>
             <a:endParaRPr lang="en-US"/>
           </a:p>
@@ -650,7 +613,7 @@
           <a:p>
             <a:fld id="{D8BBD3AF-D691-46CA-B373-3F6605AA7918}" type="datetimeFigureOut">
               <a:rPr lang="en-US" smtClean="0"/>
-              <a:t>4/22/2023</a:t>
+              <a:t>4/28/2023</a:t>
             </a:fld>
             <a:endParaRPr lang="en-US"/>
           </a:p>
@@ -820,7 +783,7 @@
           <a:p>
             <a:fld id="{D8BBD3AF-D691-46CA-B373-3F6605AA7918}" type="datetimeFigureOut">
               <a:rPr lang="en-US" smtClean="0"/>
-              <a:t>4/22/2023</a:t>
+              <a:t>4/28/2023</a:t>
             </a:fld>
             <a:endParaRPr lang="en-US"/>
           </a:p>
@@ -1066,7 +1029,7 @@
           <a:p>
             <a:fld id="{D8BBD3AF-D691-46CA-B373-3F6605AA7918}" type="datetimeFigureOut">
               <a:rPr lang="en-US" smtClean="0"/>
-              <a:t>4/22/2023</a:t>
+              <a:t>4/28/2023</a:t>
             </a:fld>
             <a:endParaRPr lang="en-US"/>
           </a:p>
@@ -1298,7 +1261,7 @@
           <a:p>
             <a:fld id="{D8BBD3AF-D691-46CA-B373-3F6605AA7918}" type="datetimeFigureOut">
               <a:rPr lang="en-US" smtClean="0"/>
-              <a:t>4/22/2023</a:t>
+              <a:t>4/28/2023</a:t>
             </a:fld>
             <a:endParaRPr lang="en-US"/>
           </a:p>
@@ -1665,7 +1628,7 @@
           <a:p>
             <a:fld id="{D8BBD3AF-D691-46CA-B373-3F6605AA7918}" type="datetimeFigureOut">
               <a:rPr lang="en-US" smtClean="0"/>
-              <a:t>4/22/2023</a:t>
+              <a:t>4/28/2023</a:t>
             </a:fld>
             <a:endParaRPr lang="en-US"/>
           </a:p>
@@ -1783,7 +1746,7 @@
           <a:p>
             <a:fld id="{D8BBD3AF-D691-46CA-B373-3F6605AA7918}" type="datetimeFigureOut">
               <a:rPr lang="en-US" smtClean="0"/>
-              <a:t>4/22/2023</a:t>
+              <a:t>4/28/2023</a:t>
             </a:fld>
             <a:endParaRPr lang="en-US"/>
           </a:p>
@@ -1878,7 +1841,7 @@
           <a:p>
             <a:fld id="{D8BBD3AF-D691-46CA-B373-3F6605AA7918}" type="datetimeFigureOut">
               <a:rPr lang="en-US" smtClean="0"/>
-              <a:t>4/22/2023</a:t>
+              <a:t>4/28/2023</a:t>
             </a:fld>
             <a:endParaRPr lang="en-US"/>
           </a:p>
@@ -2155,7 +2118,7 @@
           <a:p>
             <a:fld id="{D8BBD3AF-D691-46CA-B373-3F6605AA7918}" type="datetimeFigureOut">
               <a:rPr lang="en-US" smtClean="0"/>
-              <a:t>4/22/2023</a:t>
+              <a:t>4/28/2023</a:t>
             </a:fld>
             <a:endParaRPr lang="en-US"/>
           </a:p>
@@ -2412,7 +2375,7 @@
           <a:p>
             <a:fld id="{D8BBD3AF-D691-46CA-B373-3F6605AA7918}" type="datetimeFigureOut">
               <a:rPr lang="en-US" smtClean="0"/>
-              <a:t>4/22/2023</a:t>
+              <a:t>4/28/2023</a:t>
             </a:fld>
             <a:endParaRPr lang="en-US"/>
           </a:p>
@@ -2625,7 +2588,7 @@
           <a:p>
             <a:fld id="{D8BBD3AF-D691-46CA-B373-3F6605AA7918}" type="datetimeFigureOut">
               <a:rPr lang="en-US" smtClean="0"/>
-              <a:t>4/22/2023</a:t>
+              <a:t>4/28/2023</a:t>
             </a:fld>
             <a:endParaRPr lang="en-US"/>
           </a:p>
@@ -3040,10 +3003,10 @@
       </p:grpSpPr>
       <p:grpSp>
         <p:nvGrpSpPr>
-          <p:cNvPr id="2" name="그룹 1">
+          <p:cNvPr id="3" name="그룹 2">
             <a:extLst>
               <a:ext uri="{FF2B5EF4-FFF2-40B4-BE49-F238E27FC236}">
-                <a16:creationId xmlns:a16="http://schemas.microsoft.com/office/drawing/2014/main" id="{DDF5A194-4DA1-23FD-55F0-BC9729D6302C}"/>
+                <a16:creationId xmlns:a16="http://schemas.microsoft.com/office/drawing/2014/main" id="{F371D6F7-51BD-8DC7-A731-962D1DB14B16}"/>
               </a:ext>
             </a:extLst>
           </p:cNvPr>
@@ -3052,65 +3015,18 @@
         </p:nvGrpSpPr>
         <p:grpSpPr>
           <a:xfrm>
-            <a:off x="857656" y="1255957"/>
-            <a:ext cx="4026811" cy="3888886"/>
-            <a:chOff x="857656" y="1255957"/>
-            <a:chExt cx="4026811" cy="3888886"/>
+            <a:off x="1892364" y="313488"/>
+            <a:ext cx="9729600" cy="5671997"/>
+            <a:chOff x="1892364" y="313488"/>
+            <a:chExt cx="9729600" cy="5671997"/>
           </a:xfrm>
         </p:grpSpPr>
         <p:pic>
           <p:nvPicPr>
-            <p:cNvPr id="1028" name="Picture 4">
+            <p:cNvPr id="2" name="그림 2" descr="화살이(가) 표시된 사진&#10;&#10;자동 생성된 설명">
               <a:extLst>
                 <a:ext uri="{FF2B5EF4-FFF2-40B4-BE49-F238E27FC236}">
-                  <a16:creationId xmlns:a16="http://schemas.microsoft.com/office/drawing/2014/main" id="{6DAF9D8D-EE2D-A33E-C9CB-73BFE0EB48E5}"/>
-                </a:ext>
-              </a:extLst>
-            </p:cNvPr>
-            <p:cNvPicPr>
-              <a:picLocks noChangeAspect="1" noChangeArrowheads="1"/>
-            </p:cNvPicPr>
-            <p:nvPr/>
-          </p:nvPicPr>
-          <p:blipFill>
-            <a:blip r:embed="rId2">
-              <a:extLst>
-                <a:ext uri="{28A0092B-C50C-407E-A947-70E740481C1C}">
-                  <a14:useLocalDpi xmlns:a14="http://schemas.microsoft.com/office/drawing/2010/main" val="0"/>
-                </a:ext>
-              </a:extLst>
-            </a:blip>
-            <a:srcRect/>
-            <a:stretch>
-              <a:fillRect/>
-            </a:stretch>
-          </p:blipFill>
-          <p:spPr bwMode="auto">
-            <a:xfrm>
-              <a:off x="857656" y="1255957"/>
-              <a:ext cx="4026811" cy="3888886"/>
-            </a:xfrm>
-            <a:prstGeom prst="rect">
-              <a:avLst/>
-            </a:prstGeom>
-            <a:noFill/>
-            <a:extLst>
-              <a:ext uri="{909E8E84-426E-40DD-AFC4-6F175D3DCCD1}">
-                <a14:hiddenFill xmlns:a14="http://schemas.microsoft.com/office/drawing/2010/main">
-                  <a:solidFill>
-                    <a:srgbClr val="FFFFFF"/>
-                  </a:solidFill>
-                </a14:hiddenFill>
-              </a:ext>
-            </a:extLst>
-          </p:spPr>
-        </p:pic>
-        <p:pic>
-          <p:nvPicPr>
-            <p:cNvPr id="8" name="그래픽 7">
-              <a:extLst>
-                <a:ext uri="{FF2B5EF4-FFF2-40B4-BE49-F238E27FC236}">
-                  <a16:creationId xmlns:a16="http://schemas.microsoft.com/office/drawing/2014/main" id="{4D823972-85A2-855C-D560-7BBB72A7E342}"/>
+                  <a16:creationId xmlns:a16="http://schemas.microsoft.com/office/drawing/2014/main" id="{24E0F632-DE8D-B97C-31D7-3AFC86198470}"/>
                 </a:ext>
               </a:extLst>
             </p:cNvPr>
@@ -3120,360 +3036,196 @@
             <p:nvPr/>
           </p:nvPicPr>
           <p:blipFill>
-            <a:blip r:embed="rId3">
-              <a:extLst>
-                <a:ext uri="{28A0092B-C50C-407E-A947-70E740481C1C}">
-                  <a14:useLocalDpi xmlns:a14="http://schemas.microsoft.com/office/drawing/2010/main" val="0"/>
-                </a:ext>
-                <a:ext uri="{96DAC541-7B7A-43D3-8B79-37D633B846F1}">
-                  <asvg:svgBlip xmlns:asvg="http://schemas.microsoft.com/office/drawing/2016/SVG/main" r:embed="rId4"/>
-                </a:ext>
-                <a:ext uri="{837473B0-CC2E-450A-ABE3-18F120FF3D39}">
-                  <a1611:picAttrSrcUrl xmlns:a1611="http://schemas.microsoft.com/office/drawing/2016/11/main" r:id="rId5"/>
-                </a:ext>
-              </a:extLst>
-            </a:blip>
+            <a:blip r:embed="rId2"/>
             <a:stretch>
               <a:fillRect/>
             </a:stretch>
           </p:blipFill>
           <p:spPr>
             <a:xfrm>
-              <a:off x="3348496" y="3689855"/>
-              <a:ext cx="1535971" cy="1454988"/>
+              <a:off x="4171738" y="313488"/>
+              <a:ext cx="4447507" cy="3730858"/>
             </a:xfrm>
             <a:prstGeom prst="rect">
               <a:avLst/>
             </a:prstGeom>
           </p:spPr>
         </p:pic>
+        <p:sp>
+          <p:nvSpPr>
+            <p:cNvPr id="4" name="TextBox 3">
+              <a:extLst>
+                <a:ext uri="{FF2B5EF4-FFF2-40B4-BE49-F238E27FC236}">
+                  <a16:creationId xmlns:a16="http://schemas.microsoft.com/office/drawing/2014/main" id="{68D2BB79-B828-8E08-79C0-59DF9F5FC1D1}"/>
+                </a:ext>
+              </a:extLst>
+            </p:cNvPr>
+            <p:cNvSpPr txBox="1"/>
+            <p:nvPr/>
+          </p:nvSpPr>
+          <p:spPr>
+            <a:xfrm>
+              <a:off x="2113084" y="4708280"/>
+              <a:ext cx="9508880" cy="892419"/>
+            </a:xfrm>
+            <a:prstGeom prst="rect">
+              <a:avLst/>
+            </a:prstGeom>
+            <a:noFill/>
+          </p:spPr>
+          <p:txBody>
+            <a:bodyPr rot="0" spcFirstLastPara="0" vertOverflow="overflow" horzOverflow="overflow" vert="horz" wrap="square" lIns="91440" tIns="45720" rIns="91440" bIns="45720" numCol="1" spcCol="0" rtlCol="0" fromWordArt="0" anchor="t" anchorCtr="0" forceAA="0" compatLnSpc="1">
+              <a:prstTxWarp prst="textNoShape">
+                <a:avLst/>
+              </a:prstTxWarp>
+              <a:spAutoFit/>
+            </a:bodyPr>
+            <a:lstStyle/>
+            <a:p>
+              <a:pPr algn="l"/>
+              <a:endParaRPr lang="ko-KR" altLang="en-US"/>
+            </a:p>
+          </p:txBody>
+        </p:sp>
+        <p:sp>
+          <p:nvSpPr>
+            <p:cNvPr id="5" name="TextBox 4">
+              <a:extLst>
+                <a:ext uri="{FF2B5EF4-FFF2-40B4-BE49-F238E27FC236}">
+                  <a16:creationId xmlns:a16="http://schemas.microsoft.com/office/drawing/2014/main" id="{B667D241-2AB4-F414-DED9-0868A58C3F06}"/>
+                </a:ext>
+              </a:extLst>
+            </p:cNvPr>
+            <p:cNvSpPr txBox="1"/>
+            <p:nvPr/>
+          </p:nvSpPr>
+          <p:spPr>
+            <a:xfrm>
+              <a:off x="1892364" y="4323492"/>
+              <a:ext cx="9006253" cy="1661993"/>
+            </a:xfrm>
+            <a:prstGeom prst="rect">
+              <a:avLst/>
+            </a:prstGeom>
+            <a:noFill/>
+          </p:spPr>
+          <p:txBody>
+            <a:bodyPr rot="0" spcFirstLastPara="0" vertOverflow="overflow" horzOverflow="overflow" vert="horz" wrap="square" lIns="91440" tIns="45720" rIns="91440" bIns="45720" numCol="1" spcCol="0" rtlCol="0" fromWordArt="0" anchor="t" anchorCtr="0" forceAA="0" compatLnSpc="1">
+              <a:prstTxWarp prst="textNoShape">
+                <a:avLst/>
+              </a:prstTxWarp>
+              <a:spAutoFit/>
+            </a:bodyPr>
+            <a:lstStyle/>
+            <a:p>
+              <a:pPr algn="ctr"/>
+              <a:r>
+                <a:rPr lang="ko-KR" altLang="en-US" sz="7000" b="1" dirty="0">
+                  <a:solidFill>
+                    <a:srgbClr val="D64B4B"/>
+                  </a:solidFill>
+                  <a:latin typeface="휴먼옛체" panose="02030504000101010101" pitchFamily="18" charset="-127"/>
+                  <a:ea typeface="휴먼옛체" panose="02030504000101010101" pitchFamily="18" charset="-127"/>
+                  <a:cs typeface="Calibri"/>
+                </a:rPr>
+                <a:t>NESTIA</a:t>
+              </a:r>
+            </a:p>
+            <a:p>
+              <a:pPr algn="ctr"/>
+              <a:r>
+                <a:rPr lang="ko-KR" altLang="en-US" sz="3200" dirty="0" err="1">
+                  <a:solidFill>
+                    <a:srgbClr val="CF6565"/>
+                  </a:solidFill>
+                  <a:latin typeface="휴먼옛체" panose="02030504000101010101" pitchFamily="18" charset="-127"/>
+                  <a:ea typeface="휴먼옛체" panose="02030504000101010101" pitchFamily="18" charset="-127"/>
+                  <a:cs typeface="Calibri"/>
+                </a:rPr>
+                <a:t>Make</a:t>
+              </a:r>
+              <a:r>
+                <a:rPr lang="ko-KR" altLang="en-US" sz="3200" dirty="0">
+                  <a:solidFill>
+                    <a:srgbClr val="CF6565"/>
+                  </a:solidFill>
+                  <a:latin typeface="휴먼옛체" panose="02030504000101010101" pitchFamily="18" charset="-127"/>
+                  <a:ea typeface="휴먼옛체" panose="02030504000101010101" pitchFamily="18" charset="-127"/>
+                  <a:cs typeface="Calibri"/>
+                </a:rPr>
+                <a:t> </a:t>
+              </a:r>
+              <a:r>
+                <a:rPr lang="ko-KR" altLang="en-US" sz="3200" dirty="0" err="1">
+                  <a:solidFill>
+                    <a:srgbClr val="CF6565"/>
+                  </a:solidFill>
+                  <a:latin typeface="휴먼옛체" panose="02030504000101010101" pitchFamily="18" charset="-127"/>
+                  <a:ea typeface="휴먼옛체" panose="02030504000101010101" pitchFamily="18" charset="-127"/>
+                  <a:cs typeface="Calibri"/>
+                </a:rPr>
+                <a:t>NestJS</a:t>
+              </a:r>
+              <a:r>
+                <a:rPr lang="ko-KR" altLang="en-US" sz="3200" dirty="0">
+                  <a:solidFill>
+                    <a:srgbClr val="CF6565"/>
+                  </a:solidFill>
+                  <a:latin typeface="휴먼옛체" panose="02030504000101010101" pitchFamily="18" charset="-127"/>
+                  <a:ea typeface="휴먼옛체" panose="02030504000101010101" pitchFamily="18" charset="-127"/>
+                  <a:cs typeface="Calibri"/>
+                </a:rPr>
+                <a:t> Super-</a:t>
+              </a:r>
+              <a:r>
+                <a:rPr lang="ko-KR" altLang="en-US" sz="3200" dirty="0" err="1">
+                  <a:solidFill>
+                    <a:srgbClr val="CF6565"/>
+                  </a:solidFill>
+                  <a:latin typeface="휴먼옛체" panose="02030504000101010101" pitchFamily="18" charset="-127"/>
+                  <a:ea typeface="휴먼옛체" panose="02030504000101010101" pitchFamily="18" charset="-127"/>
+                  <a:cs typeface="Calibri"/>
+                </a:rPr>
+                <a:t>Fast</a:t>
+              </a:r>
+              <a:r>
+                <a:rPr lang="ko-KR" altLang="en-US" sz="3200" dirty="0">
+                  <a:solidFill>
+                    <a:srgbClr val="CF6565"/>
+                  </a:solidFill>
+                  <a:latin typeface="휴먼옛체" panose="02030504000101010101" pitchFamily="18" charset="-127"/>
+                  <a:ea typeface="휴먼옛체" panose="02030504000101010101" pitchFamily="18" charset="-127"/>
+                  <a:cs typeface="Calibri"/>
+                </a:rPr>
+                <a:t>/</a:t>
+              </a:r>
+              <a:r>
+                <a:rPr lang="ko-KR" altLang="en-US" sz="3200" dirty="0" err="1">
+                  <a:solidFill>
+                    <a:srgbClr val="CF6565"/>
+                  </a:solidFill>
+                  <a:latin typeface="휴먼옛체" panose="02030504000101010101" pitchFamily="18" charset="-127"/>
+                  <a:ea typeface="휴먼옛체" panose="02030504000101010101" pitchFamily="18" charset="-127"/>
+                  <a:cs typeface="Calibri"/>
+                </a:rPr>
+                <a:t>Easy</a:t>
+              </a:r>
+              <a:endParaRPr lang="ko-KR" altLang="en-US" sz="3200" dirty="0">
+                <a:solidFill>
+                  <a:srgbClr val="CF6565"/>
+                </a:solidFill>
+                <a:latin typeface="휴먼옛체" panose="02030504000101010101" pitchFamily="18" charset="-127"/>
+                <a:ea typeface="휴먼옛체" panose="02030504000101010101" pitchFamily="18" charset="-127"/>
+                <a:cs typeface="Calibri"/>
+              </a:endParaRPr>
+            </a:p>
+          </p:txBody>
+        </p:sp>
       </p:grpSp>
-      <p:sp>
-        <p:nvSpPr>
-          <p:cNvPr id="9" name="TextBox 8">
-            <a:extLst>
-              <a:ext uri="{FF2B5EF4-FFF2-40B4-BE49-F238E27FC236}">
-                <a16:creationId xmlns:a16="http://schemas.microsoft.com/office/drawing/2014/main" id="{2AD7900D-1FF9-8430-9D85-A13052732FE4}"/>
-              </a:ext>
-            </a:extLst>
-          </p:cNvPr>
-          <p:cNvSpPr txBox="1"/>
-          <p:nvPr/>
-        </p:nvSpPr>
-        <p:spPr>
-          <a:xfrm>
-            <a:off x="5586416" y="784354"/>
-            <a:ext cx="6743608" cy="4832092"/>
-          </a:xfrm>
-          <a:prstGeom prst="rect">
-            <a:avLst/>
-          </a:prstGeom>
-          <a:noFill/>
-        </p:spPr>
-        <p:txBody>
-          <a:bodyPr wrap="square" rtlCol="0">
-            <a:spAutoFit/>
-          </a:bodyPr>
-          <a:lstStyle/>
-          <a:p>
-            <a:r>
-              <a:rPr lang="en-US" sz="10000" b="1" u="sng" dirty="0" err="1">
-                <a:solidFill>
-                  <a:schemeClr val="accent1">
-                    <a:lumMod val="60000"/>
-                    <a:lumOff val="40000"/>
-                  </a:schemeClr>
-                </a:solidFill>
-              </a:rPr>
-              <a:t>Nestia</a:t>
-            </a:r>
-            <a:endParaRPr lang="en-US" sz="10000" b="1" u="sng" dirty="0">
-              <a:solidFill>
-                <a:schemeClr val="accent1">
-                  <a:lumMod val="60000"/>
-                  <a:lumOff val="40000"/>
-                </a:schemeClr>
-              </a:solidFill>
-            </a:endParaRPr>
-          </a:p>
-          <a:p>
-            <a:r>
-              <a:rPr lang="en-US" sz="5000" dirty="0" err="1">
-                <a:solidFill>
-                  <a:schemeClr val="bg1">
-                    <a:lumMod val="65000"/>
-                  </a:schemeClr>
-                </a:solidFill>
-              </a:rPr>
-              <a:t>NestJS</a:t>
-            </a:r>
-            <a:r>
-              <a:rPr lang="en-US" sz="5000" dirty="0">
-                <a:solidFill>
-                  <a:schemeClr val="bg1">
-                    <a:lumMod val="65000"/>
-                  </a:schemeClr>
-                </a:solidFill>
-              </a:rPr>
-              <a:t> Helper</a:t>
-            </a:r>
-          </a:p>
-          <a:p>
-            <a:endParaRPr lang="en-US" sz="2000" dirty="0">
-              <a:solidFill>
-                <a:schemeClr val="bg1"/>
-              </a:solidFill>
-              <a:latin typeface="Bradley Hand ITC" panose="03070402050302030203" pitchFamily="66" charset="0"/>
-            </a:endParaRPr>
-          </a:p>
-          <a:p>
-            <a:endParaRPr lang="en-US" sz="2000" dirty="0">
-              <a:solidFill>
-                <a:schemeClr val="bg1"/>
-              </a:solidFill>
-              <a:latin typeface="Bradley Hand ITC" panose="03070402050302030203" pitchFamily="66" charset="0"/>
-            </a:endParaRPr>
-          </a:p>
-          <a:p>
-            <a:r>
-              <a:rPr lang="en-US" sz="3600" b="1" dirty="0">
-                <a:solidFill>
-                  <a:schemeClr val="bg1">
-                    <a:lumMod val="75000"/>
-                  </a:schemeClr>
-                </a:solidFill>
-                <a:latin typeface="Bradley Hand ITC" panose="03070402050302030203" pitchFamily="66" charset="0"/>
-              </a:rPr>
-              <a:t>20,000x faster validation</a:t>
-            </a:r>
-          </a:p>
-          <a:p>
-            <a:r>
-              <a:rPr lang="en-US" sz="3600" b="1" dirty="0">
-                <a:solidFill>
-                  <a:schemeClr val="bg1">
-                    <a:lumMod val="75000"/>
-                  </a:schemeClr>
-                </a:solidFill>
-                <a:latin typeface="Bradley Hand ITC" panose="03070402050302030203" pitchFamily="66" charset="0"/>
-              </a:rPr>
-              <a:t>200x faster JSON serialization</a:t>
-            </a:r>
-          </a:p>
-          <a:p>
-            <a:r>
-              <a:rPr lang="en-US" sz="3600" b="1" dirty="0">
-                <a:solidFill>
-                  <a:schemeClr val="bg1">
-                    <a:lumMod val="75000"/>
-                  </a:schemeClr>
-                </a:solidFill>
-                <a:latin typeface="Bradley Hand ITC" panose="03070402050302030203" pitchFamily="66" charset="0"/>
-              </a:rPr>
-              <a:t>SDK/Swagger generation</a:t>
-            </a:r>
-          </a:p>
-        </p:txBody>
-      </p:sp>
     </p:spTree>
     <p:extLst>
       <p:ext uri="{BB962C8B-B14F-4D97-AF65-F5344CB8AC3E}">
         <p14:creationId xmlns:p14="http://schemas.microsoft.com/office/powerpoint/2010/main" val="1973001959"/>
-      </p:ext>
-    </p:extLst>
-  </p:cSld>
-  <p:clrMapOvr>
-    <a:masterClrMapping/>
-  </p:clrMapOvr>
-</p:sld>
-</file>
-
-<file path=ppt/slides/slide2.xml><?xml version="1.0" encoding="utf-8"?>
-<p:sld xmlns:a="http://schemas.openxmlformats.org/drawingml/2006/main" xmlns:r="http://schemas.openxmlformats.org/officeDocument/2006/relationships" xmlns:p="http://schemas.openxmlformats.org/presentationml/2006/main">
-  <p:cSld>
-    <p:bg>
-      <p:bgPr>
-        <a:solidFill>
-          <a:schemeClr val="tx1"/>
-        </a:solidFill>
-        <a:effectLst/>
-      </p:bgPr>
-    </p:bg>
-    <p:spTree>
-      <p:nvGrpSpPr>
-        <p:cNvPr id="1" name=""/>
-        <p:cNvGrpSpPr/>
-        <p:nvPr/>
-      </p:nvGrpSpPr>
-      <p:grpSpPr>
-        <a:xfrm>
-          <a:off x="0" y="0"/>
-          <a:ext cx="0" cy="0"/>
-          <a:chOff x="0" y="0"/>
-          <a:chExt cx="0" cy="0"/>
-        </a:xfrm>
-      </p:grpSpPr>
-      <p:pic>
-        <p:nvPicPr>
-          <p:cNvPr id="3" name="그림 2">
-            <a:extLst>
-              <a:ext uri="{FF2B5EF4-FFF2-40B4-BE49-F238E27FC236}">
-                <a16:creationId xmlns:a16="http://schemas.microsoft.com/office/drawing/2014/main" id="{5C3A62A9-8B8E-D425-6B82-147D7C7AC3D1}"/>
-              </a:ext>
-            </a:extLst>
-          </p:cNvPr>
-          <p:cNvPicPr>
-            <a:picLocks noChangeAspect="1"/>
-          </p:cNvPicPr>
-          <p:nvPr/>
-        </p:nvPicPr>
-        <p:blipFill>
-          <a:blip r:embed="rId2"/>
-          <a:stretch>
-            <a:fillRect/>
-          </a:stretch>
-        </p:blipFill>
-        <p:spPr>
-          <a:xfrm>
-            <a:off x="4289380" y="0"/>
-            <a:ext cx="8529473" cy="6400800"/>
-          </a:xfrm>
-          <a:prstGeom prst="rect">
-            <a:avLst/>
-          </a:prstGeom>
-        </p:spPr>
-      </p:pic>
-      <p:sp>
-        <p:nvSpPr>
-          <p:cNvPr id="5" name="TextBox 4">
-            <a:extLst>
-              <a:ext uri="{FF2B5EF4-FFF2-40B4-BE49-F238E27FC236}">
-                <a16:creationId xmlns:a16="http://schemas.microsoft.com/office/drawing/2014/main" id="{9CF1FF0A-1116-FED1-D87A-49BE33FAAE3B}"/>
-              </a:ext>
-            </a:extLst>
-          </p:cNvPr>
-          <p:cNvSpPr txBox="1"/>
-          <p:nvPr/>
-        </p:nvSpPr>
-        <p:spPr>
-          <a:xfrm>
-            <a:off x="917576" y="784354"/>
-            <a:ext cx="6743608" cy="4832092"/>
-          </a:xfrm>
-          <a:prstGeom prst="rect">
-            <a:avLst/>
-          </a:prstGeom>
-          <a:noFill/>
-        </p:spPr>
-        <p:txBody>
-          <a:bodyPr wrap="square" rtlCol="0">
-            <a:spAutoFit/>
-          </a:bodyPr>
-          <a:lstStyle/>
-          <a:p>
-            <a:r>
-              <a:rPr lang="en-US" sz="10000" b="1" u="sng" dirty="0" err="1">
-                <a:solidFill>
-                  <a:schemeClr val="accent1">
-                    <a:lumMod val="60000"/>
-                    <a:lumOff val="40000"/>
-                  </a:schemeClr>
-                </a:solidFill>
-              </a:rPr>
-              <a:t>Nestia</a:t>
-            </a:r>
-            <a:endParaRPr lang="en-US" sz="10000" b="1" u="sng" dirty="0">
-              <a:solidFill>
-                <a:schemeClr val="accent1">
-                  <a:lumMod val="60000"/>
-                  <a:lumOff val="40000"/>
-                </a:schemeClr>
-              </a:solidFill>
-            </a:endParaRPr>
-          </a:p>
-          <a:p>
-            <a:r>
-              <a:rPr lang="en-US" sz="5000" dirty="0" err="1">
-                <a:solidFill>
-                  <a:schemeClr val="bg1">
-                    <a:lumMod val="65000"/>
-                  </a:schemeClr>
-                </a:solidFill>
-              </a:rPr>
-              <a:t>NestJS</a:t>
-            </a:r>
-            <a:r>
-              <a:rPr lang="en-US" sz="5000" dirty="0">
-                <a:solidFill>
-                  <a:schemeClr val="bg1">
-                    <a:lumMod val="65000"/>
-                  </a:schemeClr>
-                </a:solidFill>
-              </a:rPr>
-              <a:t> Helper</a:t>
-            </a:r>
-          </a:p>
-          <a:p>
-            <a:endParaRPr lang="en-US" sz="2000" dirty="0">
-              <a:solidFill>
-                <a:schemeClr val="bg1"/>
-              </a:solidFill>
-              <a:latin typeface="Bradley Hand ITC" panose="03070402050302030203" pitchFamily="66" charset="0"/>
-            </a:endParaRPr>
-          </a:p>
-          <a:p>
-            <a:endParaRPr lang="en-US" sz="2000" dirty="0">
-              <a:solidFill>
-                <a:schemeClr val="bg1"/>
-              </a:solidFill>
-              <a:latin typeface="Bradley Hand ITC" panose="03070402050302030203" pitchFamily="66" charset="0"/>
-            </a:endParaRPr>
-          </a:p>
-          <a:p>
-            <a:r>
-              <a:rPr lang="en-US" sz="3600" b="1" dirty="0">
-                <a:solidFill>
-                  <a:schemeClr val="bg1">
-                    <a:lumMod val="65000"/>
-                  </a:schemeClr>
-                </a:solidFill>
-                <a:latin typeface="Bradley Hand ITC" panose="03070402050302030203" pitchFamily="66" charset="0"/>
-              </a:rPr>
-              <a:t>20,000x faster validation</a:t>
-            </a:r>
-          </a:p>
-          <a:p>
-            <a:r>
-              <a:rPr lang="en-US" sz="3600" b="1" dirty="0">
-                <a:solidFill>
-                  <a:schemeClr val="bg1">
-                    <a:lumMod val="65000"/>
-                  </a:schemeClr>
-                </a:solidFill>
-                <a:latin typeface="Bradley Hand ITC" panose="03070402050302030203" pitchFamily="66" charset="0"/>
-              </a:rPr>
-              <a:t>200x faster JSON serialization</a:t>
-            </a:r>
-          </a:p>
-          <a:p>
-            <a:r>
-              <a:rPr lang="en-US" sz="3600" b="1" dirty="0">
-                <a:solidFill>
-                  <a:schemeClr val="bg1">
-                    <a:lumMod val="65000"/>
-                  </a:schemeClr>
-                </a:solidFill>
-                <a:latin typeface="Bradley Hand ITC" panose="03070402050302030203" pitchFamily="66" charset="0"/>
-              </a:rPr>
-              <a:t>SDK/Swagger generation</a:t>
-            </a:r>
-          </a:p>
-        </p:txBody>
-      </p:sp>
-    </p:spTree>
-    <p:extLst>
-      <p:ext uri="{BB962C8B-B14F-4D97-AF65-F5344CB8AC3E}">
-        <p14:creationId xmlns:p14="http://schemas.microsoft.com/office/powerpoint/2010/main" val="2087580690"/>
       </p:ext>
     </p:extLst>
   </p:cSld>
